--- a/Presentation_Jelle_Claes.pptx
+++ b/Presentation_Jelle_Claes.pptx
@@ -1,6 +1,6 @@
 
 <file path=ppt/presentation.xml><?xml version="1.0" encoding="utf-8"?>
-<p:presentation xmlns:a="http://schemas.openxmlformats.org/drawingml/2006/main" xmlns:r="http://schemas.openxmlformats.org/officeDocument/2006/relationships" xmlns:p="http://schemas.openxmlformats.org/presentationml/2006/main" saveSubsetFonts="1">
+<p:presentation xmlns:a="http://schemas.openxmlformats.org/drawingml/2006/main" xmlns:r="http://schemas.openxmlformats.org/officeDocument/2006/relationships" xmlns:p="http://schemas.openxmlformats.org/presentationml/2006/main" showSpecialPlsOnTitleSld="0" saveSubsetFonts="1">
   <p:sldMasterIdLst>
     <p:sldMasterId id="2147483648" r:id="rId1"/>
   </p:sldMasterIdLst>
@@ -116,23 +116,6 @@
     </a:lvl9pPr>
   </p:defaultTextStyle>
   <p:extLst>
-    <p:ext uri="{521415D9-36F7-43E2-AB2F-B90AF26B5E84}">
-      <p14:sectionLst xmlns:p14="http://schemas.microsoft.com/office/powerpoint/2010/main">
-        <p14:section name="Standaardsectie" id="{DCAF3B28-A060-43FE-ABDD-45632886DE42}">
-          <p14:sldIdLst>
-            <p14:sldId id="256"/>
-            <p14:sldId id="261"/>
-            <p14:sldId id="262"/>
-            <p14:sldId id="263"/>
-            <p14:sldId id="264"/>
-            <p14:sldId id="265"/>
-            <p14:sldId id="266"/>
-            <p14:sldId id="267"/>
-            <p14:sldId id="268"/>
-          </p14:sldIdLst>
-        </p14:section>
-      </p14:sectionLst>
-    </p:ext>
     <p:ext uri="{EFAFB233-063F-42B5-8137-9DF3F51BA10A}">
       <p15:sldGuideLst xmlns:p15="http://schemas.microsoft.com/office/powerpoint/2012/main"/>
     </p:ext>
@@ -227,7 +210,7 @@
             <a:fld id="{70DE778B-9043-6640-BE32-D65768C6815F}" type="datetimeFigureOut">
               <a:rPr lang="nl-NL" smtClean="0"/>
               <a:pPr/>
-              <a:t>6-6-2023</a:t>
+              <a:t>7-6-2023</a:t>
             </a:fld>
             <a:endParaRPr lang="nl-NL" dirty="0"/>
           </a:p>
@@ -2193,43 +2176,6 @@
           </a:p>
         </p:txBody>
       </p:sp>
-      <p:sp>
-        <p:nvSpPr>
-          <p:cNvPr id="12" name="Titel 1"/>
-          <p:cNvSpPr>
-            <a:spLocks noGrp="1"/>
-          </p:cNvSpPr>
-          <p:nvPr>
-            <p:ph type="ctrTitle" hasCustomPrompt="1"/>
-          </p:nvPr>
-        </p:nvSpPr>
-        <p:spPr>
-          <a:xfrm>
-            <a:off x="515938" y="1268414"/>
-            <a:ext cx="11160125" cy="1325158"/>
-          </a:xfrm>
-          <a:prstGeom prst="rect">
-            <a:avLst/>
-          </a:prstGeom>
-        </p:spPr>
-        <p:txBody>
-          <a:bodyPr lIns="0" tIns="0" rIns="0" bIns="0" anchor="t">
-            <a:noAutofit/>
-          </a:bodyPr>
-          <a:lstStyle>
-            <a:lvl1pPr algn="l">
-              <a:defRPr sz="3500"/>
-            </a:lvl1pPr>
-          </a:lstStyle>
-          <a:p>
-            <a:r>
-              <a:rPr lang="nl-NL" dirty="0"/>
-              <a:t>Klik om de stijl te bewerken</a:t>
-            </a:r>
-            <a:endParaRPr lang="nl-BE" dirty="0"/>
-          </a:p>
-        </p:txBody>
-      </p:sp>
       <p:cxnSp>
         <p:nvCxnSpPr>
           <p:cNvPr id="5" name="Rechte verbindingslijn 4">
@@ -2344,6 +2290,43 @@
           </a:prstGeom>
         </p:spPr>
       </p:pic>
+      <p:sp>
+        <p:nvSpPr>
+          <p:cNvPr id="3" name="Titel 2">
+            <a:extLst>
+              <a:ext uri="{FF2B5EF4-FFF2-40B4-BE49-F238E27FC236}">
+                <a16:creationId xmlns:a16="http://schemas.microsoft.com/office/drawing/2014/main" id="{2602B378-A0B7-C369-D551-2A6754B3BD3C}"/>
+              </a:ext>
+            </a:extLst>
+          </p:cNvPr>
+          <p:cNvSpPr>
+            <a:spLocks noGrp="1"/>
+          </p:cNvSpPr>
+          <p:nvPr>
+            <p:ph type="title"/>
+          </p:nvPr>
+        </p:nvSpPr>
+        <p:spPr>
+          <a:xfrm>
+            <a:off x="838200" y="365125"/>
+            <a:ext cx="10515600" cy="1325563"/>
+          </a:xfrm>
+          <a:prstGeom prst="rect">
+            <a:avLst/>
+          </a:prstGeom>
+        </p:spPr>
+        <p:txBody>
+          <a:bodyPr/>
+          <a:lstStyle/>
+          <a:p>
+            <a:r>
+              <a:rPr lang="nl-NL"/>
+              <a:t>Klik om stijl te bewerken</a:t>
+            </a:r>
+            <a:endParaRPr lang="fr-FR"/>
+          </a:p>
+        </p:txBody>
+      </p:sp>
     </p:spTree>
     <p:extLst>
       <p:ext uri="{BB962C8B-B14F-4D97-AF65-F5344CB8AC3E}">
@@ -2684,6 +2667,7 @@
     <p:sldLayoutId id="2147483650" r:id="rId6"/>
     <p:sldLayoutId id="2147483668" r:id="rId7"/>
   </p:sldLayoutIdLst>
+  <p:hf hdr="0" ftr="0" dt="0"/>
   <p:txStyles>
     <p:titleStyle>
       <a:lvl1pPr algn="l" defTabSz="914400" rtl="0" eaLnBrk="1" latinLnBrk="0" hangingPunct="1">
@@ -3099,7 +3083,7 @@
     </p:spTree>
     <p:extLst>
       <p:ext uri="{BB962C8B-B14F-4D97-AF65-F5344CB8AC3E}">
-        <p14:creationId xmlns:p14="http://schemas.microsoft.com/office/powerpoint/2010/main" val="2136152480"/>
+        <p14:creationId xmlns:p14="http://schemas.microsoft.com/office/powerpoint/2010/main" val="1642059584"/>
       </p:ext>
     </p:extLst>
   </p:cSld>
@@ -3227,7 +3211,15 @@
             <p:ph type="ctrTitle"/>
           </p:nvPr>
         </p:nvSpPr>
-        <p:spPr/>
+        <p:spPr>
+          <a:xfrm>
+            <a:off x="515938" y="1268414"/>
+            <a:ext cx="11160125" cy="1325158"/>
+          </a:xfrm>
+          <a:prstGeom prst="rect">
+            <a:avLst/>
+          </a:prstGeom>
+        </p:spPr>
         <p:txBody>
           <a:bodyPr/>
           <a:lstStyle/>
@@ -3236,13 +3228,49 @@
               <a:rPr lang="nl-BE" dirty="0"/>
               <a:t>Tabel of contents</a:t>
             </a:r>
+          </a:p>
+        </p:txBody>
+      </p:sp>
+      <p:sp>
+        <p:nvSpPr>
+          <p:cNvPr id="4" name="Tekstvak 3">
+            <a:extLst>
+              <a:ext uri="{FF2B5EF4-FFF2-40B4-BE49-F238E27FC236}">
+                <a16:creationId xmlns:a16="http://schemas.microsoft.com/office/drawing/2014/main" id="{49BE92D8-0A47-5344-BDBA-3FADDD796551}"/>
+              </a:ext>
+            </a:extLst>
+          </p:cNvPr>
+          <p:cNvSpPr txBox="1"/>
+          <p:nvPr/>
+        </p:nvSpPr>
+        <p:spPr>
+          <a:xfrm>
+            <a:off x="11558475" y="6063343"/>
+            <a:ext cx="718457" cy="584775"/>
+          </a:xfrm>
+          <a:prstGeom prst="rect">
+            <a:avLst/>
+          </a:prstGeom>
+          <a:noFill/>
+        </p:spPr>
+        <p:txBody>
+          <a:bodyPr wrap="square" rtlCol="0">
+            <a:spAutoFit/>
+          </a:bodyPr>
+          <a:lstStyle/>
+          <a:p>
+            <a:r>
+              <a:rPr lang="nl-BE" sz="3200" dirty="0"/>
+              <a:t>2</a:t>
+            </a:r>
+            <a:endParaRPr lang="fr-FR" sz="3200" dirty="0"/>
           </a:p>
         </p:txBody>
       </p:sp>
     </p:spTree>
     <p:extLst>
       <p:ext uri="{BB962C8B-B14F-4D97-AF65-F5344CB8AC3E}">
-        <p14:creationId xmlns:p14="http://schemas.microsoft.com/office/powerpoint/2010/main" val="25849831"/>
+        <p14:creationId xmlns:p14="http://schemas.microsoft.com/office/powerpoint/2010/main" val="382425059"/>
       </p:ext>
     </p:extLst>
   </p:cSld>
@@ -3355,7 +3383,15 @@
             <p:ph type="ctrTitle"/>
           </p:nvPr>
         </p:nvSpPr>
-        <p:spPr/>
+        <p:spPr>
+          <a:xfrm>
+            <a:off x="515938" y="1268414"/>
+            <a:ext cx="11160125" cy="1325158"/>
+          </a:xfrm>
+          <a:prstGeom prst="rect">
+            <a:avLst/>
+          </a:prstGeom>
+        </p:spPr>
         <p:txBody>
           <a:bodyPr/>
           <a:lstStyle/>
@@ -3364,13 +3400,49 @@
               <a:rPr lang="nl-BE" dirty="0"/>
               <a:t>Libraries</a:t>
             </a:r>
+          </a:p>
+        </p:txBody>
+      </p:sp>
+      <p:sp>
+        <p:nvSpPr>
+          <p:cNvPr id="4" name="Tekstvak 3">
+            <a:extLst>
+              <a:ext uri="{FF2B5EF4-FFF2-40B4-BE49-F238E27FC236}">
+                <a16:creationId xmlns:a16="http://schemas.microsoft.com/office/drawing/2014/main" id="{44DE0492-A869-B32D-AB77-CB62E27BFEB3}"/>
+              </a:ext>
+            </a:extLst>
+          </p:cNvPr>
+          <p:cNvSpPr txBox="1"/>
+          <p:nvPr/>
+        </p:nvSpPr>
+        <p:spPr>
+          <a:xfrm>
+            <a:off x="11558475" y="6063343"/>
+            <a:ext cx="718457" cy="584775"/>
+          </a:xfrm>
+          <a:prstGeom prst="rect">
+            <a:avLst/>
+          </a:prstGeom>
+          <a:noFill/>
+        </p:spPr>
+        <p:txBody>
+          <a:bodyPr wrap="square" rtlCol="0">
+            <a:spAutoFit/>
+          </a:bodyPr>
+          <a:lstStyle/>
+          <a:p>
+            <a:r>
+              <a:rPr lang="nl-BE" sz="3200" dirty="0"/>
+              <a:t>3</a:t>
+            </a:r>
+            <a:endParaRPr lang="fr-FR" sz="3200" dirty="0"/>
           </a:p>
         </p:txBody>
       </p:sp>
     </p:spTree>
     <p:extLst>
       <p:ext uri="{BB962C8B-B14F-4D97-AF65-F5344CB8AC3E}">
-        <p14:creationId xmlns:p14="http://schemas.microsoft.com/office/powerpoint/2010/main" val="2552009412"/>
+        <p14:creationId xmlns:p14="http://schemas.microsoft.com/office/powerpoint/2010/main" val="2536820107"/>
       </p:ext>
     </p:extLst>
   </p:cSld>
@@ -3518,7 +3590,15 @@
             <p:ph type="ctrTitle"/>
           </p:nvPr>
         </p:nvSpPr>
-        <p:spPr/>
+        <p:spPr>
+          <a:xfrm>
+            <a:off x="515938" y="1268414"/>
+            <a:ext cx="11160125" cy="1325158"/>
+          </a:xfrm>
+          <a:prstGeom prst="rect">
+            <a:avLst/>
+          </a:prstGeom>
+        </p:spPr>
         <p:txBody>
           <a:bodyPr/>
           <a:lstStyle/>
@@ -3557,7 +3637,7 @@
         </p:blipFill>
         <p:spPr>
           <a:xfrm>
-            <a:off x="4895978" y="1268414"/>
+            <a:off x="5756601" y="985385"/>
             <a:ext cx="5625243" cy="3919406"/>
           </a:xfrm>
           <a:prstGeom prst="rect">
@@ -3587,8 +3667,8 @@
         </p:blipFill>
         <p:spPr>
           <a:xfrm>
-            <a:off x="4895977" y="1258801"/>
-            <a:ext cx="7264377" cy="3168649"/>
+            <a:off x="5338465" y="1268414"/>
+            <a:ext cx="6788440" cy="2961050"/>
           </a:xfrm>
           <a:prstGeom prst="rect">
             <a:avLst/>
@@ -3617,7 +3697,7 @@
         </p:blipFill>
         <p:spPr>
           <a:xfrm>
-            <a:off x="4895975" y="1269049"/>
+            <a:off x="5756601" y="1015748"/>
             <a:ext cx="5625243" cy="4227427"/>
           </a:xfrm>
           <a:prstGeom prst="rect">
@@ -3647,8 +3727,8 @@
         </p:blipFill>
         <p:spPr>
           <a:xfrm>
-            <a:off x="4900513" y="1361524"/>
-            <a:ext cx="6198126" cy="4318949"/>
+            <a:off x="5633622" y="1262610"/>
+            <a:ext cx="6042440" cy="4210465"/>
           </a:xfrm>
           <a:prstGeom prst="rect">
             <a:avLst/>
@@ -3677,18 +3757,54 @@
         </p:blipFill>
         <p:spPr>
           <a:xfrm>
-            <a:off x="4895975" y="1320840"/>
-            <a:ext cx="6911116" cy="3288481"/>
+            <a:off x="5599974" y="1040734"/>
+            <a:ext cx="6526931" cy="3105676"/>
           </a:xfrm>
           <a:prstGeom prst="rect">
             <a:avLst/>
           </a:prstGeom>
         </p:spPr>
       </p:pic>
+      <p:sp>
+        <p:nvSpPr>
+          <p:cNvPr id="9" name="Tekstvak 8">
+            <a:extLst>
+              <a:ext uri="{FF2B5EF4-FFF2-40B4-BE49-F238E27FC236}">
+                <a16:creationId xmlns:a16="http://schemas.microsoft.com/office/drawing/2014/main" id="{6A331267-FBF5-732D-22DE-3896BF61BB59}"/>
+              </a:ext>
+            </a:extLst>
+          </p:cNvPr>
+          <p:cNvSpPr txBox="1"/>
+          <p:nvPr/>
+        </p:nvSpPr>
+        <p:spPr>
+          <a:xfrm>
+            <a:off x="11558475" y="6063343"/>
+            <a:ext cx="718457" cy="584775"/>
+          </a:xfrm>
+          <a:prstGeom prst="rect">
+            <a:avLst/>
+          </a:prstGeom>
+          <a:noFill/>
+        </p:spPr>
+        <p:txBody>
+          <a:bodyPr wrap="square" rtlCol="0">
+            <a:spAutoFit/>
+          </a:bodyPr>
+          <a:lstStyle/>
+          <a:p>
+            <a:r>
+              <a:rPr lang="nl-BE" sz="3200" dirty="0"/>
+              <a:t>4</a:t>
+            </a:r>
+            <a:endParaRPr lang="fr-FR" sz="3200" dirty="0"/>
+          </a:p>
+        </p:txBody>
+      </p:sp>
     </p:spTree>
     <p:extLst>
       <p:ext uri="{BB962C8B-B14F-4D97-AF65-F5344CB8AC3E}">
-        <p14:creationId xmlns:p14="http://schemas.microsoft.com/office/powerpoint/2010/main" val="2904774891"/>
+        <p14:creationId xmlns:p14="http://schemas.microsoft.com/office/powerpoint/2010/main" val="1397941857"/>
       </p:ext>
     </p:extLst>
   </p:cSld>
@@ -4121,7 +4237,15 @@
             <p:ph type="ctrTitle"/>
           </p:nvPr>
         </p:nvSpPr>
-        <p:spPr/>
+        <p:spPr>
+          <a:xfrm>
+            <a:off x="515938" y="1268414"/>
+            <a:ext cx="11160125" cy="1325158"/>
+          </a:xfrm>
+          <a:prstGeom prst="rect">
+            <a:avLst/>
+          </a:prstGeom>
+        </p:spPr>
         <p:txBody>
           <a:bodyPr/>
           <a:lstStyle/>
@@ -4194,10 +4318,46 @@
           </a:prstGeom>
         </p:spPr>
       </p:pic>
+      <p:sp>
+        <p:nvSpPr>
+          <p:cNvPr id="6" name="Tekstvak 5">
+            <a:extLst>
+              <a:ext uri="{FF2B5EF4-FFF2-40B4-BE49-F238E27FC236}">
+                <a16:creationId xmlns:a16="http://schemas.microsoft.com/office/drawing/2014/main" id="{4AD4BB15-7D7D-B5AD-DC53-349E9CA580DE}"/>
+              </a:ext>
+            </a:extLst>
+          </p:cNvPr>
+          <p:cNvSpPr txBox="1"/>
+          <p:nvPr/>
+        </p:nvSpPr>
+        <p:spPr>
+          <a:xfrm>
+            <a:off x="11558475" y="6063343"/>
+            <a:ext cx="718457" cy="584775"/>
+          </a:xfrm>
+          <a:prstGeom prst="rect">
+            <a:avLst/>
+          </a:prstGeom>
+          <a:noFill/>
+        </p:spPr>
+        <p:txBody>
+          <a:bodyPr wrap="square" rtlCol="0">
+            <a:spAutoFit/>
+          </a:bodyPr>
+          <a:lstStyle/>
+          <a:p>
+            <a:r>
+              <a:rPr lang="nl-BE" sz="3200" dirty="0"/>
+              <a:t>5</a:t>
+            </a:r>
+            <a:endParaRPr lang="fr-FR" sz="3200" dirty="0"/>
+          </a:p>
+        </p:txBody>
+      </p:sp>
     </p:spTree>
     <p:extLst>
       <p:ext uri="{BB962C8B-B14F-4D97-AF65-F5344CB8AC3E}">
-        <p14:creationId xmlns:p14="http://schemas.microsoft.com/office/powerpoint/2010/main" val="970444032"/>
+        <p14:creationId xmlns:p14="http://schemas.microsoft.com/office/powerpoint/2010/main" val="2345941246"/>
       </p:ext>
     </p:extLst>
   </p:cSld>
@@ -4470,7 +4630,15 @@
             <p:ph type="ctrTitle"/>
           </p:nvPr>
         </p:nvSpPr>
-        <p:spPr/>
+        <p:spPr>
+          <a:xfrm>
+            <a:off x="515938" y="1268414"/>
+            <a:ext cx="11160125" cy="1325158"/>
+          </a:xfrm>
+          <a:prstGeom prst="rect">
+            <a:avLst/>
+          </a:prstGeom>
+        </p:spPr>
         <p:txBody>
           <a:bodyPr/>
           <a:lstStyle/>
@@ -4620,10 +4788,46 @@
           </a:p>
         </p:txBody>
       </p:sp>
+      <p:sp>
+        <p:nvSpPr>
+          <p:cNvPr id="5" name="Tekstvak 4">
+            <a:extLst>
+              <a:ext uri="{FF2B5EF4-FFF2-40B4-BE49-F238E27FC236}">
+                <a16:creationId xmlns:a16="http://schemas.microsoft.com/office/drawing/2014/main" id="{1CC57615-6772-9BEB-D521-1B04F0E1657F}"/>
+              </a:ext>
+            </a:extLst>
+          </p:cNvPr>
+          <p:cNvSpPr txBox="1"/>
+          <p:nvPr/>
+        </p:nvSpPr>
+        <p:spPr>
+          <a:xfrm>
+            <a:off x="11558475" y="6063343"/>
+            <a:ext cx="718457" cy="584775"/>
+          </a:xfrm>
+          <a:prstGeom prst="rect">
+            <a:avLst/>
+          </a:prstGeom>
+          <a:noFill/>
+        </p:spPr>
+        <p:txBody>
+          <a:bodyPr wrap="square" rtlCol="0">
+            <a:spAutoFit/>
+          </a:bodyPr>
+          <a:lstStyle/>
+          <a:p>
+            <a:r>
+              <a:rPr lang="nl-BE" sz="3200" dirty="0"/>
+              <a:t>6</a:t>
+            </a:r>
+            <a:endParaRPr lang="fr-FR" sz="3200" dirty="0"/>
+          </a:p>
+        </p:txBody>
+      </p:sp>
     </p:spTree>
     <p:extLst>
       <p:ext uri="{BB962C8B-B14F-4D97-AF65-F5344CB8AC3E}">
-        <p14:creationId xmlns:p14="http://schemas.microsoft.com/office/powerpoint/2010/main" val="1917925574"/>
+        <p14:creationId xmlns:p14="http://schemas.microsoft.com/office/powerpoint/2010/main" val="2543549312"/>
       </p:ext>
     </p:extLst>
   </p:cSld>
@@ -4691,7 +4895,15 @@
             <p:ph type="ctrTitle"/>
           </p:nvPr>
         </p:nvSpPr>
-        <p:spPr/>
+        <p:spPr>
+          <a:xfrm>
+            <a:off x="515938" y="1268414"/>
+            <a:ext cx="11160125" cy="1325158"/>
+          </a:xfrm>
+          <a:prstGeom prst="rect">
+            <a:avLst/>
+          </a:prstGeom>
+        </p:spPr>
         <p:txBody>
           <a:bodyPr/>
           <a:lstStyle/>
@@ -4764,10 +4976,46 @@
           </a:prstGeom>
         </p:spPr>
       </p:pic>
+      <p:sp>
+        <p:nvSpPr>
+          <p:cNvPr id="6" name="Tekstvak 5">
+            <a:extLst>
+              <a:ext uri="{FF2B5EF4-FFF2-40B4-BE49-F238E27FC236}">
+                <a16:creationId xmlns:a16="http://schemas.microsoft.com/office/drawing/2014/main" id="{B931C4CC-B71B-8776-1FE7-0A8AE215AEA9}"/>
+              </a:ext>
+            </a:extLst>
+          </p:cNvPr>
+          <p:cNvSpPr txBox="1"/>
+          <p:nvPr/>
+        </p:nvSpPr>
+        <p:spPr>
+          <a:xfrm>
+            <a:off x="11558475" y="6063343"/>
+            <a:ext cx="718457" cy="584775"/>
+          </a:xfrm>
+          <a:prstGeom prst="rect">
+            <a:avLst/>
+          </a:prstGeom>
+          <a:noFill/>
+        </p:spPr>
+        <p:txBody>
+          <a:bodyPr wrap="square" rtlCol="0">
+            <a:spAutoFit/>
+          </a:bodyPr>
+          <a:lstStyle/>
+          <a:p>
+            <a:r>
+              <a:rPr lang="nl-BE" sz="3200" dirty="0"/>
+              <a:t>7</a:t>
+            </a:r>
+            <a:endParaRPr lang="fr-FR" sz="3200" dirty="0"/>
+          </a:p>
+        </p:txBody>
+      </p:sp>
     </p:spTree>
     <p:extLst>
       <p:ext uri="{BB962C8B-B14F-4D97-AF65-F5344CB8AC3E}">
-        <p14:creationId xmlns:p14="http://schemas.microsoft.com/office/powerpoint/2010/main" val="18299446"/>
+        <p14:creationId xmlns:p14="http://schemas.microsoft.com/office/powerpoint/2010/main" val="1289184052"/>
       </p:ext>
     </p:extLst>
   </p:cSld>
@@ -4891,7 +5139,15 @@
             <p:ph type="ctrTitle"/>
           </p:nvPr>
         </p:nvSpPr>
-        <p:spPr/>
+        <p:spPr>
+          <a:xfrm>
+            <a:off x="515938" y="1268414"/>
+            <a:ext cx="11160125" cy="1325158"/>
+          </a:xfrm>
+          <a:prstGeom prst="rect">
+            <a:avLst/>
+          </a:prstGeom>
+        </p:spPr>
         <p:txBody>
           <a:bodyPr/>
           <a:lstStyle/>
@@ -4901,13 +5157,49 @@
               <a:t>Improvements</a:t>
             </a:r>
             <a:endParaRPr lang="fr-FR" dirty="0"/>
+          </a:p>
+        </p:txBody>
+      </p:sp>
+      <p:sp>
+        <p:nvSpPr>
+          <p:cNvPr id="4" name="Tekstvak 3">
+            <a:extLst>
+              <a:ext uri="{FF2B5EF4-FFF2-40B4-BE49-F238E27FC236}">
+                <a16:creationId xmlns:a16="http://schemas.microsoft.com/office/drawing/2014/main" id="{D556A4E0-ED97-EDA7-63F5-00279B42953B}"/>
+              </a:ext>
+            </a:extLst>
+          </p:cNvPr>
+          <p:cNvSpPr txBox="1"/>
+          <p:nvPr/>
+        </p:nvSpPr>
+        <p:spPr>
+          <a:xfrm>
+            <a:off x="11558475" y="6063343"/>
+            <a:ext cx="718457" cy="584775"/>
+          </a:xfrm>
+          <a:prstGeom prst="rect">
+            <a:avLst/>
+          </a:prstGeom>
+          <a:noFill/>
+        </p:spPr>
+        <p:txBody>
+          <a:bodyPr wrap="square" rtlCol="0">
+            <a:spAutoFit/>
+          </a:bodyPr>
+          <a:lstStyle/>
+          <a:p>
+            <a:r>
+              <a:rPr lang="nl-BE" sz="3200" dirty="0"/>
+              <a:t>8</a:t>
+            </a:r>
+            <a:endParaRPr lang="fr-FR" sz="3200" dirty="0"/>
           </a:p>
         </p:txBody>
       </p:sp>
     </p:spTree>
     <p:extLst>
       <p:ext uri="{BB962C8B-B14F-4D97-AF65-F5344CB8AC3E}">
-        <p14:creationId xmlns:p14="http://schemas.microsoft.com/office/powerpoint/2010/main" val="2154101770"/>
+        <p14:creationId xmlns:p14="http://schemas.microsoft.com/office/powerpoint/2010/main" val="2359501956"/>
       </p:ext>
     </p:extLst>
   </p:cSld>
@@ -4970,10 +5262,46 @@
           </a:prstGeom>
         </p:spPr>
       </p:pic>
+      <p:sp>
+        <p:nvSpPr>
+          <p:cNvPr id="2" name="Tekstvak 1">
+            <a:extLst>
+              <a:ext uri="{FF2B5EF4-FFF2-40B4-BE49-F238E27FC236}">
+                <a16:creationId xmlns:a16="http://schemas.microsoft.com/office/drawing/2014/main" id="{61DDC4FF-3A77-8A2C-82E2-2A8F5E4D7044}"/>
+              </a:ext>
+            </a:extLst>
+          </p:cNvPr>
+          <p:cNvSpPr txBox="1"/>
+          <p:nvPr/>
+        </p:nvSpPr>
+        <p:spPr>
+          <a:xfrm>
+            <a:off x="11558475" y="6063343"/>
+            <a:ext cx="718457" cy="584775"/>
+          </a:xfrm>
+          <a:prstGeom prst="rect">
+            <a:avLst/>
+          </a:prstGeom>
+          <a:noFill/>
+        </p:spPr>
+        <p:txBody>
+          <a:bodyPr wrap="square" rtlCol="0">
+            <a:spAutoFit/>
+          </a:bodyPr>
+          <a:lstStyle/>
+          <a:p>
+            <a:r>
+              <a:rPr lang="nl-BE" sz="3200" dirty="0"/>
+              <a:t>9</a:t>
+            </a:r>
+            <a:endParaRPr lang="fr-FR" sz="3200" dirty="0"/>
+          </a:p>
+        </p:txBody>
+      </p:sp>
     </p:spTree>
     <p:extLst>
       <p:ext uri="{BB962C8B-B14F-4D97-AF65-F5344CB8AC3E}">
-        <p14:creationId xmlns:p14="http://schemas.microsoft.com/office/powerpoint/2010/main" val="570864633"/>
+        <p14:creationId xmlns:p14="http://schemas.microsoft.com/office/powerpoint/2010/main" val="2254435892"/>
       </p:ext>
     </p:extLst>
   </p:cSld>
